--- a/bloom 007.pptx
+++ b/bloom 007.pptx
@@ -4856,13 +4856,13 @@
   <p:clrMapOvr>
     <a:masterClrMapping/>
   </p:clrMapOvr>
-  <mc:AlternateContent xmlns:mc="http://schemas.openxmlformats.org/markup-compatibility/2006">
-    <mc:Choice xmlns:p14="http://schemas.microsoft.com/office/powerpoint/2010/main" Requires="p14">
+  <mc:AlternateContent xmlns:mc="http://schemas.openxmlformats.org/markup-compatibility/2006" xmlns:p14="http://schemas.microsoft.com/office/powerpoint/2010/main">
+    <mc:Choice Requires="p14">
       <p:transition spd="slow" p14:dur="800">
         <p14:flythrough/>
       </p:transition>
     </mc:Choice>
-    <mc:Fallback>
+    <mc:Fallback xmlns="">
       <p:transition spd="slow">
         <p:fade/>
       </p:transition>
@@ -5134,13 +5134,13 @@
   <p:clrMapOvr>
     <a:masterClrMapping/>
   </p:clrMapOvr>
-  <mc:AlternateContent xmlns:mc="http://schemas.openxmlformats.org/markup-compatibility/2006">
-    <mc:Choice xmlns:p14="http://schemas.microsoft.com/office/powerpoint/2010/main" Requires="p14">
+  <mc:AlternateContent xmlns:mc="http://schemas.openxmlformats.org/markup-compatibility/2006" xmlns:p14="http://schemas.microsoft.com/office/powerpoint/2010/main">
+    <mc:Choice Requires="p14">
       <p:transition spd="slow" p14:dur="800">
         <p14:flythrough/>
       </p:transition>
     </mc:Choice>
-    <mc:Fallback>
+    <mc:Fallback xmlns="">
       <p:transition spd="slow">
         <p:fade/>
       </p:transition>
@@ -5354,7 +5354,7 @@
           <a:p>
             <a:r>
               <a:rPr lang="en-US" u="sng" dirty="0"/>
-              <a:t>REGESTERING PAGE </a:t>
+              <a:t>REGISTERING PAGE </a:t>
             </a:r>
             <a:endParaRPr lang="en-IN" u="sng" dirty="0"/>
           </a:p>
@@ -5411,14 +5411,20 @@
           <p:nvPr/>
         </p:nvPicPr>
         <p:blipFill rotWithShape="1">
-          <a:blip r:embed="rId2"/>
-          <a:srcRect t="9524"/>
+          <a:blip r:embed="rId2">
+            <a:extLst>
+              <a:ext uri="{28A0092B-C50C-407E-A947-70E740481C1C}">
+                <a14:useLocalDpi xmlns:a14="http://schemas.microsoft.com/office/drawing/2010/main" val="0"/>
+              </a:ext>
+            </a:extLst>
+          </a:blip>
+          <a:srcRect l="2738" t="433" r="32" b="7502"/>
           <a:stretch/>
         </p:blipFill>
         <p:spPr>
           <a:xfrm>
-            <a:off x="2858170" y="1402754"/>
-            <a:ext cx="6676468" cy="3397846"/>
+            <a:off x="2995330" y="1343025"/>
+            <a:ext cx="6491570" cy="3457575"/>
           </a:xfrm>
           <a:prstGeom prst="rect">
             <a:avLst/>
